--- a/docs/diagrams/LogicCommandGoalsPackage.pptx
+++ b/docs/diagrams/LogicCommandGoalsPackage.pptx
@@ -104,6 +104,11 @@
       </a:defRPr>
     </a:lvl9pPr>
   </p:defaultTextStyle>
+  <p:extLst>
+    <p:ext uri="{EFAFB233-063F-42B5-8137-9DF3F51BA10A}">
+      <p15:sldGuideLst xmlns:p15="http://schemas.microsoft.com/office/powerpoint/2012/main"/>
+    </p:ext>
+  </p:extLst>
 </p:presentation>
 </file>
 
@@ -256,7 +261,7 @@
           <a:p>
             <a:fld id="{34FA3991-7FA4-5045-8970-DF40FDC9D0DD}" type="datetimeFigureOut">
               <a:rPr lang="en-US" smtClean="0"/>
-              <a:t>10/22/19</a:t>
+              <a:t>10/24/2019</a:t>
             </a:fld>
             <a:endParaRPr lang="en-US"/>
           </a:p>
@@ -456,7 +461,7 @@
           <a:p>
             <a:fld id="{34FA3991-7FA4-5045-8970-DF40FDC9D0DD}" type="datetimeFigureOut">
               <a:rPr lang="en-US" smtClean="0"/>
-              <a:t>10/22/19</a:t>
+              <a:t>10/24/2019</a:t>
             </a:fld>
             <a:endParaRPr lang="en-US"/>
           </a:p>
@@ -666,7 +671,7 @@
           <a:p>
             <a:fld id="{34FA3991-7FA4-5045-8970-DF40FDC9D0DD}" type="datetimeFigureOut">
               <a:rPr lang="en-US" smtClean="0"/>
-              <a:t>10/22/19</a:t>
+              <a:t>10/24/2019</a:t>
             </a:fld>
             <a:endParaRPr lang="en-US"/>
           </a:p>
@@ -866,7 +871,7 @@
           <a:p>
             <a:fld id="{34FA3991-7FA4-5045-8970-DF40FDC9D0DD}" type="datetimeFigureOut">
               <a:rPr lang="en-US" smtClean="0"/>
-              <a:t>10/22/19</a:t>
+              <a:t>10/24/2019</a:t>
             </a:fld>
             <a:endParaRPr lang="en-US"/>
           </a:p>
@@ -1142,7 +1147,7 @@
           <a:p>
             <a:fld id="{34FA3991-7FA4-5045-8970-DF40FDC9D0DD}" type="datetimeFigureOut">
               <a:rPr lang="en-US" smtClean="0"/>
-              <a:t>10/22/19</a:t>
+              <a:t>10/24/2019</a:t>
             </a:fld>
             <a:endParaRPr lang="en-US"/>
           </a:p>
@@ -1410,7 +1415,7 @@
           <a:p>
             <a:fld id="{34FA3991-7FA4-5045-8970-DF40FDC9D0DD}" type="datetimeFigureOut">
               <a:rPr lang="en-US" smtClean="0"/>
-              <a:t>10/22/19</a:t>
+              <a:t>10/24/2019</a:t>
             </a:fld>
             <a:endParaRPr lang="en-US"/>
           </a:p>
@@ -1825,7 +1830,7 @@
           <a:p>
             <a:fld id="{34FA3991-7FA4-5045-8970-DF40FDC9D0DD}" type="datetimeFigureOut">
               <a:rPr lang="en-US" smtClean="0"/>
-              <a:t>10/22/19</a:t>
+              <a:t>10/24/2019</a:t>
             </a:fld>
             <a:endParaRPr lang="en-US"/>
           </a:p>
@@ -1967,7 +1972,7 @@
           <a:p>
             <a:fld id="{34FA3991-7FA4-5045-8970-DF40FDC9D0DD}" type="datetimeFigureOut">
               <a:rPr lang="en-US" smtClean="0"/>
-              <a:t>10/22/19</a:t>
+              <a:t>10/24/2019</a:t>
             </a:fld>
             <a:endParaRPr lang="en-US"/>
           </a:p>
@@ -2080,7 +2085,7 @@
           <a:p>
             <a:fld id="{34FA3991-7FA4-5045-8970-DF40FDC9D0DD}" type="datetimeFigureOut">
               <a:rPr lang="en-US" smtClean="0"/>
-              <a:t>10/22/19</a:t>
+              <a:t>10/24/2019</a:t>
             </a:fld>
             <a:endParaRPr lang="en-US"/>
           </a:p>
@@ -2393,7 +2398,7 @@
           <a:p>
             <a:fld id="{34FA3991-7FA4-5045-8970-DF40FDC9D0DD}" type="datetimeFigureOut">
               <a:rPr lang="en-US" smtClean="0"/>
-              <a:t>10/22/19</a:t>
+              <a:t>10/24/2019</a:t>
             </a:fld>
             <a:endParaRPr lang="en-US"/>
           </a:p>
@@ -2682,7 +2687,7 @@
           <a:p>
             <a:fld id="{34FA3991-7FA4-5045-8970-DF40FDC9D0DD}" type="datetimeFigureOut">
               <a:rPr lang="en-US" smtClean="0"/>
-              <a:t>10/22/19</a:t>
+              <a:t>10/24/2019</a:t>
             </a:fld>
             <a:endParaRPr lang="en-US"/>
           </a:p>
@@ -2925,7 +2930,7 @@
           <a:p>
             <a:fld id="{34FA3991-7FA4-5045-8970-DF40FDC9D0DD}" type="datetimeFigureOut">
               <a:rPr lang="en-US" smtClean="0"/>
-              <a:t>10/22/19</a:t>
+              <a:t>10/24/2019</a:t>
             </a:fld>
             <a:endParaRPr lang="en-US"/>
           </a:p>
@@ -3749,7 +3754,7 @@
           </p:nvSpPr>
           <p:spPr>
             <a:xfrm>
-              <a:off x="4430940" y="2631613"/>
+              <a:off x="6766856" y="2628080"/>
               <a:ext cx="1982688" cy="369332"/>
             </a:xfrm>
             <a:prstGeom prst="roundRect">
@@ -3788,7 +3793,7 @@
             <a:p>
               <a:pPr algn="ctr"/>
               <a:r>
-                <a:rPr lang="en-US" sz="1300">
+                <a:rPr lang="en-US" sz="1300" dirty="0" err="1">
                   <a:solidFill>
                     <a:schemeClr val="tx1"/>
                   </a:solidFill>
@@ -3797,6 +3802,13 @@
                 </a:rPr>
                 <a:t>DeleteGoalsCommand</a:t>
               </a:r>
+              <a:endParaRPr lang="en-US" sz="1300" dirty="0">
+                <a:solidFill>
+                  <a:schemeClr val="tx1"/>
+                </a:solidFill>
+                <a:latin typeface="Arial" panose="020B0604020202020204" pitchFamily="34" charset="0"/>
+                <a:cs typeface="Arial" panose="020B0604020202020204" pitchFamily="34" charset="0"/>
+              </a:endParaRPr>
             </a:p>
           </p:txBody>
         </p:sp>
@@ -3814,7 +3826,7 @@
           </p:nvSpPr>
           <p:spPr>
             <a:xfrm>
-              <a:off x="6777900" y="2628272"/>
+              <a:off x="4438298" y="2626329"/>
               <a:ext cx="1982688" cy="369332"/>
             </a:xfrm>
             <a:prstGeom prst="roundRect">
@@ -3853,7 +3865,7 @@
             <a:p>
               <a:pPr algn="ctr"/>
               <a:r>
-                <a:rPr lang="en-US" sz="1300">
+                <a:rPr lang="en-US" sz="1300" dirty="0" err="1">
                   <a:solidFill>
                     <a:schemeClr val="tx1"/>
                   </a:solidFill>
@@ -3862,6 +3874,13 @@
                 </a:rPr>
                 <a:t>EditGoalsCommand</a:t>
               </a:r>
+              <a:endParaRPr lang="en-US" sz="1300" dirty="0">
+                <a:solidFill>
+                  <a:schemeClr val="tx1"/>
+                </a:solidFill>
+                <a:latin typeface="Arial" panose="020B0604020202020204" pitchFamily="34" charset="0"/>
+                <a:cs typeface="Arial" panose="020B0604020202020204" pitchFamily="34" charset="0"/>
+              </a:endParaRPr>
             </a:p>
           </p:txBody>
         </p:sp>
@@ -4079,7 +4098,7 @@
           </p:nvCxnSpPr>
           <p:spPr>
             <a:xfrm flipV="1">
-              <a:off x="5422284" y="2254470"/>
+              <a:off x="7758200" y="2250937"/>
               <a:ext cx="0" cy="377143"/>
             </a:xfrm>
             <a:prstGeom prst="line">
@@ -4118,8 +4137,8 @@
           </p:nvCxnSpPr>
           <p:spPr>
             <a:xfrm flipV="1">
-              <a:off x="7769244" y="2247003"/>
-              <a:ext cx="0" cy="381269"/>
+              <a:off x="5429642" y="2254470"/>
+              <a:ext cx="0" cy="371859"/>
             </a:xfrm>
             <a:prstGeom prst="line">
               <a:avLst/>

--- a/docs/diagrams/LogicCommandGoalsPackage.pptx
+++ b/docs/diagrams/LogicCommandGoalsPackage.pptx
@@ -261,7 +261,7 @@
           <a:p>
             <a:fld id="{34FA3991-7FA4-5045-8970-DF40FDC9D0DD}" type="datetimeFigureOut">
               <a:rPr lang="en-US" smtClean="0"/>
-              <a:t>10/24/2019</a:t>
+              <a:t>10/31/19</a:t>
             </a:fld>
             <a:endParaRPr lang="en-US"/>
           </a:p>
@@ -461,7 +461,7 @@
           <a:p>
             <a:fld id="{34FA3991-7FA4-5045-8970-DF40FDC9D0DD}" type="datetimeFigureOut">
               <a:rPr lang="en-US" smtClean="0"/>
-              <a:t>10/24/2019</a:t>
+              <a:t>10/31/19</a:t>
             </a:fld>
             <a:endParaRPr lang="en-US"/>
           </a:p>
@@ -671,7 +671,7 @@
           <a:p>
             <a:fld id="{34FA3991-7FA4-5045-8970-DF40FDC9D0DD}" type="datetimeFigureOut">
               <a:rPr lang="en-US" smtClean="0"/>
-              <a:t>10/24/2019</a:t>
+              <a:t>10/31/19</a:t>
             </a:fld>
             <a:endParaRPr lang="en-US"/>
           </a:p>
@@ -871,7 +871,7 @@
           <a:p>
             <a:fld id="{34FA3991-7FA4-5045-8970-DF40FDC9D0DD}" type="datetimeFigureOut">
               <a:rPr lang="en-US" smtClean="0"/>
-              <a:t>10/24/2019</a:t>
+              <a:t>10/31/19</a:t>
             </a:fld>
             <a:endParaRPr lang="en-US"/>
           </a:p>
@@ -1147,7 +1147,7 @@
           <a:p>
             <a:fld id="{34FA3991-7FA4-5045-8970-DF40FDC9D0DD}" type="datetimeFigureOut">
               <a:rPr lang="en-US" smtClean="0"/>
-              <a:t>10/24/2019</a:t>
+              <a:t>10/31/19</a:t>
             </a:fld>
             <a:endParaRPr lang="en-US"/>
           </a:p>
@@ -1415,7 +1415,7 @@
           <a:p>
             <a:fld id="{34FA3991-7FA4-5045-8970-DF40FDC9D0DD}" type="datetimeFigureOut">
               <a:rPr lang="en-US" smtClean="0"/>
-              <a:t>10/24/2019</a:t>
+              <a:t>10/31/19</a:t>
             </a:fld>
             <a:endParaRPr lang="en-US"/>
           </a:p>
@@ -1830,7 +1830,7 @@
           <a:p>
             <a:fld id="{34FA3991-7FA4-5045-8970-DF40FDC9D0DD}" type="datetimeFigureOut">
               <a:rPr lang="en-US" smtClean="0"/>
-              <a:t>10/24/2019</a:t>
+              <a:t>10/31/19</a:t>
             </a:fld>
             <a:endParaRPr lang="en-US"/>
           </a:p>
@@ -1972,7 +1972,7 @@
           <a:p>
             <a:fld id="{34FA3991-7FA4-5045-8970-DF40FDC9D0DD}" type="datetimeFigureOut">
               <a:rPr lang="en-US" smtClean="0"/>
-              <a:t>10/24/2019</a:t>
+              <a:t>10/31/19</a:t>
             </a:fld>
             <a:endParaRPr lang="en-US"/>
           </a:p>
@@ -2085,7 +2085,7 @@
           <a:p>
             <a:fld id="{34FA3991-7FA4-5045-8970-DF40FDC9D0DD}" type="datetimeFigureOut">
               <a:rPr lang="en-US" smtClean="0"/>
-              <a:t>10/24/2019</a:t>
+              <a:t>10/31/19</a:t>
             </a:fld>
             <a:endParaRPr lang="en-US"/>
           </a:p>
@@ -2398,7 +2398,7 @@
           <a:p>
             <a:fld id="{34FA3991-7FA4-5045-8970-DF40FDC9D0DD}" type="datetimeFigureOut">
               <a:rPr lang="en-US" smtClean="0"/>
-              <a:t>10/24/2019</a:t>
+              <a:t>10/31/19</a:t>
             </a:fld>
             <a:endParaRPr lang="en-US"/>
           </a:p>
@@ -2687,7 +2687,7 @@
           <a:p>
             <a:fld id="{34FA3991-7FA4-5045-8970-DF40FDC9D0DD}" type="datetimeFigureOut">
               <a:rPr lang="en-US" smtClean="0"/>
-              <a:t>10/24/2019</a:t>
+              <a:t>10/31/19</a:t>
             </a:fld>
             <a:endParaRPr lang="en-US"/>
           </a:p>
@@ -2930,7 +2930,7 @@
           <a:p>
             <a:fld id="{34FA3991-7FA4-5045-8970-DF40FDC9D0DD}" type="datetimeFigureOut">
               <a:rPr lang="en-US" smtClean="0"/>
-              <a:t>10/24/2019</a:t>
+              <a:t>10/31/19</a:t>
             </a:fld>
             <a:endParaRPr lang="en-US"/>
           </a:p>
@@ -3349,10 +3349,10 @@
       </p:grpSpPr>
       <p:grpSp>
         <p:nvGrpSpPr>
-          <p:cNvPr id="52" name="Group 51">
-            <a:extLst>
-              <a:ext uri="{FF2B5EF4-FFF2-40B4-BE49-F238E27FC236}">
-                <a16:creationId xmlns:a16="http://schemas.microsoft.com/office/drawing/2014/main" id="{79500501-EE66-A341-8D3D-7D73674CF564}"/>
+          <p:cNvPr id="26" name="Group 25">
+            <a:extLst>
+              <a:ext uri="{FF2B5EF4-FFF2-40B4-BE49-F238E27FC236}">
+                <a16:creationId xmlns:a16="http://schemas.microsoft.com/office/drawing/2014/main" id="{537880E4-A825-4A42-A6E5-F26EB9611419}"/>
               </a:ext>
             </a:extLst>
           </p:cNvPr>
@@ -3369,10 +3369,10 @@
         </p:grpSpPr>
         <p:sp>
           <p:nvSpPr>
-            <p:cNvPr id="53" name="Rounded Rectangle 145">
+            <p:cNvPr id="27" name="Rounded Rectangle 145">
               <a:extLst>
                 <a:ext uri="{FF2B5EF4-FFF2-40B4-BE49-F238E27FC236}">
-                  <a16:creationId xmlns:a16="http://schemas.microsoft.com/office/drawing/2014/main" id="{0662FDCB-6EFF-CF4E-B89C-CA427493FBBF}"/>
+                  <a16:creationId xmlns:a16="http://schemas.microsoft.com/office/drawing/2014/main" id="{B5949FC5-662B-2D4E-A19F-B56B02B7BBD0}"/>
                 </a:ext>
               </a:extLst>
             </p:cNvPr>
@@ -3432,177 +3432,10 @@
         </p:sp>
         <p:sp>
           <p:nvSpPr>
-            <p:cNvPr id="54" name="TextBox 53">
+            <p:cNvPr id="28" name="Rounded Rectangle 14">
               <a:extLst>
                 <a:ext uri="{FF2B5EF4-FFF2-40B4-BE49-F238E27FC236}">
-                  <a16:creationId xmlns:a16="http://schemas.microsoft.com/office/drawing/2014/main" id="{BF7A4895-E52C-8940-ADDF-C771EE5F0691}"/>
-                </a:ext>
-              </a:extLst>
-            </p:cNvPr>
-            <p:cNvSpPr txBox="1"/>
-            <p:nvPr/>
-          </p:nvSpPr>
-          <p:spPr>
-            <a:xfrm>
-              <a:off x="1303421" y="248117"/>
-              <a:ext cx="3230180" cy="369332"/>
-            </a:xfrm>
-            <a:prstGeom prst="rect">
-              <a:avLst/>
-            </a:prstGeom>
-            <a:noFill/>
-          </p:spPr>
-          <p:txBody>
-            <a:bodyPr wrap="none" rtlCol="0">
-              <a:spAutoFit/>
-            </a:bodyPr>
-            <a:lstStyle/>
-            <a:p>
-              <a:r>
-                <a:rPr lang="en-US" b="1"/>
-                <a:t>Logic, Command, Goals Package</a:t>
-              </a:r>
-            </a:p>
-          </p:txBody>
-        </p:sp>
-        <p:sp>
-          <p:nvSpPr>
-            <p:cNvPr id="55" name="Rounded Rectangle 144">
-              <a:extLst>
-                <a:ext uri="{FF2B5EF4-FFF2-40B4-BE49-F238E27FC236}">
-                  <a16:creationId xmlns:a16="http://schemas.microsoft.com/office/drawing/2014/main" id="{E8232C17-CD58-454B-BD50-83747D69E046}"/>
-                </a:ext>
-              </a:extLst>
-            </p:cNvPr>
-            <p:cNvSpPr/>
-            <p:nvPr/>
-          </p:nvSpPr>
-          <p:spPr>
-            <a:xfrm>
-              <a:off x="1303421" y="6057685"/>
-              <a:ext cx="10483775" cy="529662"/>
-            </a:xfrm>
-            <a:prstGeom prst="roundRect">
-              <a:avLst/>
-            </a:prstGeom>
-            <a:solidFill>
-              <a:schemeClr val="accent5">
-                <a:lumMod val="60000"/>
-                <a:lumOff val="40000"/>
-              </a:schemeClr>
-            </a:solidFill>
-            <a:ln>
-              <a:noFill/>
-            </a:ln>
-          </p:spPr>
-          <p:style>
-            <a:lnRef idx="2">
-              <a:schemeClr val="accent1">
-                <a:shade val="50000"/>
-              </a:schemeClr>
-            </a:lnRef>
-            <a:fillRef idx="1">
-              <a:schemeClr val="accent1"/>
-            </a:fillRef>
-            <a:effectRef idx="0">
-              <a:schemeClr val="accent1"/>
-            </a:effectRef>
-            <a:fontRef idx="minor">
-              <a:schemeClr val="lt1"/>
-            </a:fontRef>
-          </p:style>
-          <p:txBody>
-            <a:bodyPr rtlCol="0" anchor="ctr"/>
-            <a:lstStyle/>
-            <a:p>
-              <a:pPr algn="ctr"/>
-              <a:r>
-                <a:rPr lang="en-US" sz="1300" b="1">
-                  <a:solidFill>
-                    <a:schemeClr val="tx1"/>
-                  </a:solidFill>
-                  <a:latin typeface="Arial" panose="020B0604020202020204" pitchFamily="34" charset="0"/>
-                  <a:cs typeface="Arial" panose="020B0604020202020204" pitchFamily="34" charset="0"/>
-                </a:rPr>
-                <a:t>Model</a:t>
-              </a:r>
-            </a:p>
-          </p:txBody>
-        </p:sp>
-        <p:sp>
-          <p:nvSpPr>
-            <p:cNvPr id="56" name="Rounded Rectangle 12">
-              <a:extLst>
-                <a:ext uri="{FF2B5EF4-FFF2-40B4-BE49-F238E27FC236}">
-                  <a16:creationId xmlns:a16="http://schemas.microsoft.com/office/drawing/2014/main" id="{24A9C6DF-E84B-6D46-A758-4C3062AB8D1C}"/>
-                </a:ext>
-              </a:extLst>
-            </p:cNvPr>
-            <p:cNvSpPr/>
-            <p:nvPr/>
-          </p:nvSpPr>
-          <p:spPr>
-            <a:xfrm rot="16200000">
-              <a:off x="-2045605" y="2712777"/>
-              <a:ext cx="5568378" cy="710702"/>
-            </a:xfrm>
-            <a:prstGeom prst="roundRect">
-              <a:avLst/>
-            </a:prstGeom>
-            <a:solidFill>
-              <a:schemeClr val="bg2">
-                <a:lumMod val="90000"/>
-              </a:schemeClr>
-            </a:solidFill>
-            <a:ln>
-              <a:solidFill>
-                <a:schemeClr val="accent3">
-                  <a:lumMod val="60000"/>
-                  <a:lumOff val="40000"/>
-                </a:schemeClr>
-              </a:solidFill>
-            </a:ln>
-          </p:spPr>
-          <p:style>
-            <a:lnRef idx="2">
-              <a:schemeClr val="accent1">
-                <a:shade val="50000"/>
-              </a:schemeClr>
-            </a:lnRef>
-            <a:fillRef idx="1">
-              <a:schemeClr val="accent1"/>
-            </a:fillRef>
-            <a:effectRef idx="0">
-              <a:schemeClr val="accent1"/>
-            </a:effectRef>
-            <a:fontRef idx="minor">
-              <a:schemeClr val="lt1"/>
-            </a:fontRef>
-          </p:style>
-          <p:txBody>
-            <a:bodyPr rtlCol="0" anchor="ctr"/>
-            <a:lstStyle/>
-            <a:p>
-              <a:pPr algn="ctr"/>
-              <a:r>
-                <a:rPr lang="en-US" sz="1300" b="1">
-                  <a:solidFill>
-                    <a:schemeClr val="tx1"/>
-                  </a:solidFill>
-                  <a:latin typeface="Arial" panose="020B0604020202020204" pitchFamily="34" charset="0"/>
-                  <a:cs typeface="Arial" panose="020B0604020202020204" pitchFamily="34" charset="0"/>
-                </a:rPr>
-                <a:t>Main</a:t>
-              </a:r>
-            </a:p>
-          </p:txBody>
-        </p:sp>
-        <p:sp>
-          <p:nvSpPr>
-            <p:cNvPr id="57" name="Rounded Rectangle 14">
-              <a:extLst>
-                <a:ext uri="{FF2B5EF4-FFF2-40B4-BE49-F238E27FC236}">
-                  <a16:creationId xmlns:a16="http://schemas.microsoft.com/office/drawing/2014/main" id="{9AEFE080-5989-A044-B3EF-A24F262090C3}"/>
+                  <a16:creationId xmlns:a16="http://schemas.microsoft.com/office/drawing/2014/main" id="{38718E69-6700-CA4C-80B1-906387D56298}"/>
                 </a:ext>
               </a:extLst>
             </p:cNvPr>
@@ -3677,10 +3510,10 @@
         </p:sp>
         <p:sp>
           <p:nvSpPr>
-            <p:cNvPr id="58" name="Rounded Rectangle 14">
+            <p:cNvPr id="29" name="Rounded Rectangle 14">
               <a:extLst>
                 <a:ext uri="{FF2B5EF4-FFF2-40B4-BE49-F238E27FC236}">
-                  <a16:creationId xmlns:a16="http://schemas.microsoft.com/office/drawing/2014/main" id="{7DDEE08E-B02F-A64B-987D-61E17274DC52}"/>
+                  <a16:creationId xmlns:a16="http://schemas.microsoft.com/office/drawing/2014/main" id="{28F4900E-1286-4C44-961E-DB780AA80954}"/>
                 </a:ext>
               </a:extLst>
             </p:cNvPr>
@@ -3742,10 +3575,10 @@
         </p:sp>
         <p:sp>
           <p:nvSpPr>
-            <p:cNvPr id="59" name="Rounded Rectangle 14">
+            <p:cNvPr id="30" name="Rounded Rectangle 14">
               <a:extLst>
                 <a:ext uri="{FF2B5EF4-FFF2-40B4-BE49-F238E27FC236}">
-                  <a16:creationId xmlns:a16="http://schemas.microsoft.com/office/drawing/2014/main" id="{752D3613-9857-2C43-9D00-E2EB01FA565B}"/>
+                  <a16:creationId xmlns:a16="http://schemas.microsoft.com/office/drawing/2014/main" id="{191D3F11-16A2-7241-8755-8EBD57513FDE}"/>
                 </a:ext>
               </a:extLst>
             </p:cNvPr>
@@ -3754,7 +3587,7 @@
           </p:nvSpPr>
           <p:spPr>
             <a:xfrm>
-              <a:off x="6766856" y="2628080"/>
+              <a:off x="4430940" y="2631613"/>
               <a:ext cx="1982688" cy="369332"/>
             </a:xfrm>
             <a:prstGeom prst="roundRect">
@@ -3793,7 +3626,7 @@
             <a:p>
               <a:pPr algn="ctr"/>
               <a:r>
-                <a:rPr lang="en-US" sz="1300" dirty="0" err="1">
+                <a:rPr lang="en-US" sz="1300">
                   <a:solidFill>
                     <a:schemeClr val="tx1"/>
                   </a:solidFill>
@@ -3802,22 +3635,15 @@
                 </a:rPr>
                 <a:t>DeleteGoalsCommand</a:t>
               </a:r>
-              <a:endParaRPr lang="en-US" sz="1300" dirty="0">
-                <a:solidFill>
-                  <a:schemeClr val="tx1"/>
-                </a:solidFill>
-                <a:latin typeface="Arial" panose="020B0604020202020204" pitchFamily="34" charset="0"/>
-                <a:cs typeface="Arial" panose="020B0604020202020204" pitchFamily="34" charset="0"/>
-              </a:endParaRPr>
             </a:p>
           </p:txBody>
         </p:sp>
         <p:sp>
           <p:nvSpPr>
-            <p:cNvPr id="60" name="Rounded Rectangle 14">
+            <p:cNvPr id="31" name="Rounded Rectangle 14">
               <a:extLst>
                 <a:ext uri="{FF2B5EF4-FFF2-40B4-BE49-F238E27FC236}">
-                  <a16:creationId xmlns:a16="http://schemas.microsoft.com/office/drawing/2014/main" id="{0ED2A74F-25A6-8E48-851C-A9BE7FA5D9A8}"/>
+                  <a16:creationId xmlns:a16="http://schemas.microsoft.com/office/drawing/2014/main" id="{F998E818-5D36-9D48-99DA-859E2EAD97A8}"/>
                 </a:ext>
               </a:extLst>
             </p:cNvPr>
@@ -3826,7 +3652,7 @@
           </p:nvSpPr>
           <p:spPr>
             <a:xfrm>
-              <a:off x="4438298" y="2626329"/>
+              <a:off x="6777900" y="2628272"/>
               <a:ext cx="1982688" cy="369332"/>
             </a:xfrm>
             <a:prstGeom prst="roundRect">
@@ -3865,7 +3691,7 @@
             <a:p>
               <a:pPr algn="ctr"/>
               <a:r>
-                <a:rPr lang="en-US" sz="1300" dirty="0" err="1">
+                <a:rPr lang="en-US" sz="1300">
                   <a:solidFill>
                     <a:schemeClr val="tx1"/>
                   </a:solidFill>
@@ -3874,22 +3700,15 @@
                 </a:rPr>
                 <a:t>EditGoalsCommand</a:t>
               </a:r>
-              <a:endParaRPr lang="en-US" sz="1300" dirty="0">
-                <a:solidFill>
-                  <a:schemeClr val="tx1"/>
-                </a:solidFill>
-                <a:latin typeface="Arial" panose="020B0604020202020204" pitchFamily="34" charset="0"/>
-                <a:cs typeface="Arial" panose="020B0604020202020204" pitchFamily="34" charset="0"/>
-              </a:endParaRPr>
             </a:p>
           </p:txBody>
         </p:sp>
         <p:sp>
           <p:nvSpPr>
-            <p:cNvPr id="61" name="Rounded Rectangle 14">
+            <p:cNvPr id="32" name="Rounded Rectangle 14">
               <a:extLst>
                 <a:ext uri="{FF2B5EF4-FFF2-40B4-BE49-F238E27FC236}">
-                  <a16:creationId xmlns:a16="http://schemas.microsoft.com/office/drawing/2014/main" id="{7CBF11CD-1DAB-A24D-9D61-B8DAC5D80C1A}"/>
+                  <a16:creationId xmlns:a16="http://schemas.microsoft.com/office/drawing/2014/main" id="{A0F280DE-2B3B-6B4C-AB87-7DAE701C2B59}"/>
                 </a:ext>
               </a:extLst>
             </p:cNvPr>
@@ -3951,10 +3770,177 @@
         </p:sp>
         <p:sp>
           <p:nvSpPr>
-            <p:cNvPr id="62" name="Triangle 55">
+            <p:cNvPr id="33" name="TextBox 32">
               <a:extLst>
                 <a:ext uri="{FF2B5EF4-FFF2-40B4-BE49-F238E27FC236}">
-                  <a16:creationId xmlns:a16="http://schemas.microsoft.com/office/drawing/2014/main" id="{F5F3A0D2-89D3-B147-A1C6-683CEDD83F84}"/>
+                  <a16:creationId xmlns:a16="http://schemas.microsoft.com/office/drawing/2014/main" id="{B1FFB697-EE8A-0940-82B6-FCDA0A631055}"/>
+                </a:ext>
+              </a:extLst>
+            </p:cNvPr>
+            <p:cNvSpPr txBox="1"/>
+            <p:nvPr/>
+          </p:nvSpPr>
+          <p:spPr>
+            <a:xfrm>
+              <a:off x="1303421" y="248117"/>
+              <a:ext cx="3230180" cy="369332"/>
+            </a:xfrm>
+            <a:prstGeom prst="rect">
+              <a:avLst/>
+            </a:prstGeom>
+            <a:noFill/>
+          </p:spPr>
+          <p:txBody>
+            <a:bodyPr wrap="none" rtlCol="0">
+              <a:spAutoFit/>
+            </a:bodyPr>
+            <a:lstStyle/>
+            <a:p>
+              <a:r>
+                <a:rPr lang="en-US" b="1"/>
+                <a:t>Logic, Command, Goals Package</a:t>
+              </a:r>
+            </a:p>
+          </p:txBody>
+        </p:sp>
+        <p:sp>
+          <p:nvSpPr>
+            <p:cNvPr id="34" name="Rounded Rectangle 144">
+              <a:extLst>
+                <a:ext uri="{FF2B5EF4-FFF2-40B4-BE49-F238E27FC236}">
+                  <a16:creationId xmlns:a16="http://schemas.microsoft.com/office/drawing/2014/main" id="{552668B8-CEE3-1D42-A606-979DC4D76AA4}"/>
+                </a:ext>
+              </a:extLst>
+            </p:cNvPr>
+            <p:cNvSpPr/>
+            <p:nvPr/>
+          </p:nvSpPr>
+          <p:spPr>
+            <a:xfrm>
+              <a:off x="1303421" y="6057685"/>
+              <a:ext cx="10483775" cy="529662"/>
+            </a:xfrm>
+            <a:prstGeom prst="roundRect">
+              <a:avLst/>
+            </a:prstGeom>
+            <a:solidFill>
+              <a:schemeClr val="accent5">
+                <a:lumMod val="60000"/>
+                <a:lumOff val="40000"/>
+              </a:schemeClr>
+            </a:solidFill>
+            <a:ln>
+              <a:noFill/>
+            </a:ln>
+          </p:spPr>
+          <p:style>
+            <a:lnRef idx="2">
+              <a:schemeClr val="accent1">
+                <a:shade val="50000"/>
+              </a:schemeClr>
+            </a:lnRef>
+            <a:fillRef idx="1">
+              <a:schemeClr val="accent1"/>
+            </a:fillRef>
+            <a:effectRef idx="0">
+              <a:schemeClr val="accent1"/>
+            </a:effectRef>
+            <a:fontRef idx="minor">
+              <a:schemeClr val="lt1"/>
+            </a:fontRef>
+          </p:style>
+          <p:txBody>
+            <a:bodyPr rtlCol="0" anchor="ctr"/>
+            <a:lstStyle/>
+            <a:p>
+              <a:pPr algn="ctr"/>
+              <a:r>
+                <a:rPr lang="en-US" sz="1300" b="1">
+                  <a:solidFill>
+                    <a:schemeClr val="tx1"/>
+                  </a:solidFill>
+                  <a:latin typeface="Arial" panose="020B0604020202020204" pitchFamily="34" charset="0"/>
+                  <a:cs typeface="Arial" panose="020B0604020202020204" pitchFamily="34" charset="0"/>
+                </a:rPr>
+                <a:t>Model</a:t>
+              </a:r>
+            </a:p>
+          </p:txBody>
+        </p:sp>
+        <p:sp>
+          <p:nvSpPr>
+            <p:cNvPr id="35" name="Rounded Rectangle 12">
+              <a:extLst>
+                <a:ext uri="{FF2B5EF4-FFF2-40B4-BE49-F238E27FC236}">
+                  <a16:creationId xmlns:a16="http://schemas.microsoft.com/office/drawing/2014/main" id="{CEE792F8-09F0-AE4B-9788-4657D9D886FE}"/>
+                </a:ext>
+              </a:extLst>
+            </p:cNvPr>
+            <p:cNvSpPr/>
+            <p:nvPr/>
+          </p:nvSpPr>
+          <p:spPr>
+            <a:xfrm rot="16200000">
+              <a:off x="-2045605" y="2712777"/>
+              <a:ext cx="5568378" cy="710702"/>
+            </a:xfrm>
+            <a:prstGeom prst="roundRect">
+              <a:avLst/>
+            </a:prstGeom>
+            <a:solidFill>
+              <a:schemeClr val="bg2">
+                <a:lumMod val="90000"/>
+              </a:schemeClr>
+            </a:solidFill>
+            <a:ln>
+              <a:solidFill>
+                <a:schemeClr val="accent3">
+                  <a:lumMod val="60000"/>
+                  <a:lumOff val="40000"/>
+                </a:schemeClr>
+              </a:solidFill>
+            </a:ln>
+          </p:spPr>
+          <p:style>
+            <a:lnRef idx="2">
+              <a:schemeClr val="accent1">
+                <a:shade val="50000"/>
+              </a:schemeClr>
+            </a:lnRef>
+            <a:fillRef idx="1">
+              <a:schemeClr val="accent1"/>
+            </a:fillRef>
+            <a:effectRef idx="0">
+              <a:schemeClr val="accent1"/>
+            </a:effectRef>
+            <a:fontRef idx="minor">
+              <a:schemeClr val="lt1"/>
+            </a:fontRef>
+          </p:style>
+          <p:txBody>
+            <a:bodyPr rtlCol="0" anchor="ctr"/>
+            <a:lstStyle/>
+            <a:p>
+              <a:pPr algn="ctr"/>
+              <a:r>
+                <a:rPr lang="en-US" sz="1300" b="1">
+                  <a:solidFill>
+                    <a:schemeClr val="tx1"/>
+                  </a:solidFill>
+                  <a:latin typeface="Arial" panose="020B0604020202020204" pitchFamily="34" charset="0"/>
+                  <a:cs typeface="Arial" panose="020B0604020202020204" pitchFamily="34" charset="0"/>
+                </a:rPr>
+                <a:t>Main</a:t>
+              </a:r>
+            </a:p>
+          </p:txBody>
+        </p:sp>
+        <p:sp>
+          <p:nvSpPr>
+            <p:cNvPr id="36" name="Triangle 55">
+              <a:extLst>
+                <a:ext uri="{FF2B5EF4-FFF2-40B4-BE49-F238E27FC236}">
+                  <a16:creationId xmlns:a16="http://schemas.microsoft.com/office/drawing/2014/main" id="{844CD58B-E2C6-8341-AFF5-577D0B8791A3}"/>
                 </a:ext>
               </a:extLst>
             </p:cNvPr>
@@ -3972,7 +3958,9 @@
             <a:noFill/>
             <a:ln>
               <a:solidFill>
-                <a:srgbClr val="FFC000"/>
+                <a:schemeClr val="accent2">
+                  <a:lumMod val="75000"/>
+                </a:schemeClr>
               </a:solidFill>
             </a:ln>
           </p:spPr>
@@ -4006,10 +3994,10 @@
         </p:sp>
         <p:cxnSp>
           <p:nvCxnSpPr>
-            <p:cNvPr id="63" name="Straight Connector 62">
+            <p:cNvPr id="37" name="Straight Connector 36">
               <a:extLst>
                 <a:ext uri="{FF2B5EF4-FFF2-40B4-BE49-F238E27FC236}">
-                  <a16:creationId xmlns:a16="http://schemas.microsoft.com/office/drawing/2014/main" id="{E5BCAD88-5938-F84E-816A-84F9ED0B6471}"/>
+                  <a16:creationId xmlns:a16="http://schemas.microsoft.com/office/drawing/2014/main" id="{15D7FEC7-95BE-2A4F-B0D5-3491773F6C34}"/>
                 </a:ext>
               </a:extLst>
             </p:cNvPr>
@@ -4026,6 +4014,13 @@
             <a:prstGeom prst="line">
               <a:avLst/>
             </a:prstGeom>
+            <a:ln>
+              <a:solidFill>
+                <a:schemeClr val="accent2">
+                  <a:lumMod val="75000"/>
+                </a:schemeClr>
+              </a:solidFill>
+            </a:ln>
           </p:spPr>
           <p:style>
             <a:lnRef idx="1">
@@ -4044,16 +4039,16 @@
         </p:cxnSp>
         <p:cxnSp>
           <p:nvCxnSpPr>
-            <p:cNvPr id="64" name="Straight Connector 63">
+            <p:cNvPr id="38" name="Straight Connector 37">
               <a:extLst>
                 <a:ext uri="{FF2B5EF4-FFF2-40B4-BE49-F238E27FC236}">
-                  <a16:creationId xmlns:a16="http://schemas.microsoft.com/office/drawing/2014/main" id="{DDF6790C-C9E2-B248-8F95-9A3EF067A742}"/>
+                  <a16:creationId xmlns:a16="http://schemas.microsoft.com/office/drawing/2014/main" id="{1CF98994-1FEF-9048-8044-2244C98D6BD7}"/>
                 </a:ext>
               </a:extLst>
             </p:cNvPr>
             <p:cNvCxnSpPr>
               <a:cxnSpLocks/>
-              <a:endCxn id="62" idx="3"/>
+              <a:endCxn id="36" idx="3"/>
             </p:cNvCxnSpPr>
             <p:nvPr/>
           </p:nvCxnSpPr>
@@ -4065,6 +4060,13 @@
             <a:prstGeom prst="line">
               <a:avLst/>
             </a:prstGeom>
+            <a:ln>
+              <a:solidFill>
+                <a:schemeClr val="accent2">
+                  <a:lumMod val="75000"/>
+                </a:schemeClr>
+              </a:solidFill>
+            </a:ln>
           </p:spPr>
           <p:style>
             <a:lnRef idx="1">
@@ -4083,27 +4085,33 @@
         </p:cxnSp>
         <p:cxnSp>
           <p:nvCxnSpPr>
-            <p:cNvPr id="65" name="Straight Connector 64">
+            <p:cNvPr id="39" name="Straight Connector 38">
               <a:extLst>
                 <a:ext uri="{FF2B5EF4-FFF2-40B4-BE49-F238E27FC236}">
-                  <a16:creationId xmlns:a16="http://schemas.microsoft.com/office/drawing/2014/main" id="{DE0D8400-F20F-5E4E-8EF1-FCDD49298A85}"/>
+                  <a16:creationId xmlns:a16="http://schemas.microsoft.com/office/drawing/2014/main" id="{CEF68299-CA87-E541-9342-C0ECD3AB631A}"/>
                 </a:ext>
               </a:extLst>
             </p:cNvPr>
             <p:cNvCxnSpPr>
               <a:cxnSpLocks/>
-              <a:stCxn id="59" idx="0"/>
             </p:cNvCxnSpPr>
             <p:nvPr/>
           </p:nvCxnSpPr>
           <p:spPr>
             <a:xfrm flipV="1">
-              <a:off x="7758200" y="2250937"/>
+              <a:off x="5422284" y="2254470"/>
               <a:ext cx="0" cy="377143"/>
             </a:xfrm>
             <a:prstGeom prst="line">
               <a:avLst/>
             </a:prstGeom>
+            <a:ln>
+              <a:solidFill>
+                <a:schemeClr val="accent2">
+                  <a:lumMod val="75000"/>
+                </a:schemeClr>
+              </a:solidFill>
+            </a:ln>
           </p:spPr>
           <p:style>
             <a:lnRef idx="1">
@@ -4122,27 +4130,33 @@
         </p:cxnSp>
         <p:cxnSp>
           <p:nvCxnSpPr>
-            <p:cNvPr id="66" name="Straight Connector 65">
+            <p:cNvPr id="40" name="Straight Connector 39">
               <a:extLst>
                 <a:ext uri="{FF2B5EF4-FFF2-40B4-BE49-F238E27FC236}">
-                  <a16:creationId xmlns:a16="http://schemas.microsoft.com/office/drawing/2014/main" id="{38DD1ECA-5ECE-B24A-812A-C25CD47D9F50}"/>
+                  <a16:creationId xmlns:a16="http://schemas.microsoft.com/office/drawing/2014/main" id="{6497C72A-8BF8-344C-8796-7719269D3A06}"/>
                 </a:ext>
               </a:extLst>
             </p:cNvPr>
             <p:cNvCxnSpPr>
               <a:cxnSpLocks/>
-              <a:stCxn id="60" idx="0"/>
             </p:cNvCxnSpPr>
             <p:nvPr/>
           </p:nvCxnSpPr>
           <p:spPr>
             <a:xfrm flipV="1">
-              <a:off x="5429642" y="2254470"/>
-              <a:ext cx="0" cy="371859"/>
+              <a:off x="7769244" y="2247003"/>
+              <a:ext cx="0" cy="381269"/>
             </a:xfrm>
             <a:prstGeom prst="line">
               <a:avLst/>
             </a:prstGeom>
+            <a:ln>
+              <a:solidFill>
+                <a:schemeClr val="accent2">
+                  <a:lumMod val="75000"/>
+                </a:schemeClr>
+              </a:solidFill>
+            </a:ln>
           </p:spPr>
           <p:style>
             <a:lnRef idx="1">
@@ -4161,16 +4175,15 @@
         </p:cxnSp>
         <p:cxnSp>
           <p:nvCxnSpPr>
-            <p:cNvPr id="67" name="Straight Connector 66">
+            <p:cNvPr id="41" name="Straight Connector 40">
               <a:extLst>
                 <a:ext uri="{FF2B5EF4-FFF2-40B4-BE49-F238E27FC236}">
-                  <a16:creationId xmlns:a16="http://schemas.microsoft.com/office/drawing/2014/main" id="{649093B8-823C-4A47-BF9C-2EC5A5461FAD}"/>
+                  <a16:creationId xmlns:a16="http://schemas.microsoft.com/office/drawing/2014/main" id="{6FFE7D69-9B79-8E4E-90FE-C6B87835A5AE}"/>
                 </a:ext>
               </a:extLst>
             </p:cNvPr>
             <p:cNvCxnSpPr>
               <a:cxnSpLocks/>
-              <a:stCxn id="61" idx="0"/>
             </p:cNvCxnSpPr>
             <p:nvPr/>
           </p:nvCxnSpPr>
@@ -4182,6 +4195,13 @@
             <a:prstGeom prst="line">
               <a:avLst/>
             </a:prstGeom>
+            <a:ln>
+              <a:solidFill>
+                <a:schemeClr val="accent2">
+                  <a:lumMod val="75000"/>
+                </a:schemeClr>
+              </a:solidFill>
+            </a:ln>
           </p:spPr>
           <p:style>
             <a:lnRef idx="1">
@@ -4200,10 +4220,10 @@
         </p:cxnSp>
         <p:cxnSp>
           <p:nvCxnSpPr>
-            <p:cNvPr id="68" name="Straight Connector 67">
+            <p:cNvPr id="42" name="Straight Connector 41">
               <a:extLst>
                 <a:ext uri="{FF2B5EF4-FFF2-40B4-BE49-F238E27FC236}">
-                  <a16:creationId xmlns:a16="http://schemas.microsoft.com/office/drawing/2014/main" id="{4F1B4C3A-AE64-634B-BFB6-AAC0720E8BB7}"/>
+                  <a16:creationId xmlns:a16="http://schemas.microsoft.com/office/drawing/2014/main" id="{8F28467D-C5F5-2645-86DC-ACF708A85246}"/>
                 </a:ext>
               </a:extLst>
             </p:cNvPr>
@@ -4220,6 +4240,13 @@
             <a:prstGeom prst="line">
               <a:avLst/>
             </a:prstGeom>
+            <a:ln>
+              <a:solidFill>
+                <a:schemeClr val="accent2">
+                  <a:lumMod val="75000"/>
+                </a:schemeClr>
+              </a:solidFill>
+            </a:ln>
           </p:spPr>
           <p:style>
             <a:lnRef idx="1">
@@ -4238,16 +4265,15 @@
         </p:cxnSp>
         <p:cxnSp>
           <p:nvCxnSpPr>
-            <p:cNvPr id="69" name="Straight Connector 68">
+            <p:cNvPr id="43" name="Straight Connector 42">
               <a:extLst>
                 <a:ext uri="{FF2B5EF4-FFF2-40B4-BE49-F238E27FC236}">
-                  <a16:creationId xmlns:a16="http://schemas.microsoft.com/office/drawing/2014/main" id="{0C941653-11A7-E445-8A30-C38A2BFFC4D7}"/>
+                  <a16:creationId xmlns:a16="http://schemas.microsoft.com/office/drawing/2014/main" id="{E66C2F1A-FC22-D041-A33B-0ED46EF553A1}"/>
                 </a:ext>
               </a:extLst>
             </p:cNvPr>
             <p:cNvCxnSpPr>
               <a:cxnSpLocks/>
-              <a:stCxn id="58" idx="2"/>
             </p:cNvCxnSpPr>
             <p:nvPr/>
           </p:nvCxnSpPr>
@@ -4259,6 +4285,13 @@
             <a:prstGeom prst="line">
               <a:avLst/>
             </a:prstGeom>
+            <a:ln>
+              <a:solidFill>
+                <a:schemeClr val="accent2">
+                  <a:lumMod val="75000"/>
+                </a:schemeClr>
+              </a:solidFill>
+            </a:ln>
           </p:spPr>
           <p:style>
             <a:lnRef idx="1">
@@ -4277,10 +4310,10 @@
         </p:cxnSp>
         <p:cxnSp>
           <p:nvCxnSpPr>
-            <p:cNvPr id="70" name="Straight Connector 69">
+            <p:cNvPr id="44" name="Straight Connector 43">
               <a:extLst>
                 <a:ext uri="{FF2B5EF4-FFF2-40B4-BE49-F238E27FC236}">
-                  <a16:creationId xmlns:a16="http://schemas.microsoft.com/office/drawing/2014/main" id="{97B087BD-0796-4848-9013-288F5671EF16}"/>
+                  <a16:creationId xmlns:a16="http://schemas.microsoft.com/office/drawing/2014/main" id="{C76A3537-420A-BE4B-AE70-0017F9DDE8CF}"/>
                 </a:ext>
               </a:extLst>
             </p:cNvPr>
@@ -4297,6 +4330,13 @@
             <a:prstGeom prst="line">
               <a:avLst/>
             </a:prstGeom>
+            <a:ln>
+              <a:solidFill>
+                <a:schemeClr val="accent2">
+                  <a:lumMod val="75000"/>
+                </a:schemeClr>
+              </a:solidFill>
+            </a:ln>
           </p:spPr>
           <p:style>
             <a:lnRef idx="1">
@@ -4315,10 +4355,10 @@
         </p:cxnSp>
         <p:cxnSp>
           <p:nvCxnSpPr>
-            <p:cNvPr id="71" name="Straight Connector 70">
+            <p:cNvPr id="45" name="Straight Connector 44">
               <a:extLst>
                 <a:ext uri="{FF2B5EF4-FFF2-40B4-BE49-F238E27FC236}">
-                  <a16:creationId xmlns:a16="http://schemas.microsoft.com/office/drawing/2014/main" id="{95BCE3FB-94BE-2C42-87FB-CB7C4ED7012E}"/>
+                  <a16:creationId xmlns:a16="http://schemas.microsoft.com/office/drawing/2014/main" id="{2F05AF86-6D01-4D41-A66C-A5377DF9864C}"/>
                 </a:ext>
               </a:extLst>
             </p:cNvPr>
@@ -4335,6 +4375,13 @@
             <a:prstGeom prst="line">
               <a:avLst/>
             </a:prstGeom>
+            <a:ln>
+              <a:solidFill>
+                <a:schemeClr val="accent2">
+                  <a:lumMod val="75000"/>
+                </a:schemeClr>
+              </a:solidFill>
+            </a:ln>
           </p:spPr>
           <p:style>
             <a:lnRef idx="1">
@@ -4353,10 +4400,10 @@
         </p:cxnSp>
         <p:cxnSp>
           <p:nvCxnSpPr>
-            <p:cNvPr id="72" name="Straight Connector 71">
+            <p:cNvPr id="46" name="Straight Connector 45">
               <a:extLst>
                 <a:ext uri="{FF2B5EF4-FFF2-40B4-BE49-F238E27FC236}">
-                  <a16:creationId xmlns:a16="http://schemas.microsoft.com/office/drawing/2014/main" id="{BA544006-925C-BF49-B1A3-72C3AA8C6325}"/>
+                  <a16:creationId xmlns:a16="http://schemas.microsoft.com/office/drawing/2014/main" id="{4DFCD067-077A-ED4C-AA64-6BA42E76C59C}"/>
                 </a:ext>
               </a:extLst>
             </p:cNvPr>
@@ -4373,6 +4420,13 @@
             <a:prstGeom prst="line">
               <a:avLst/>
             </a:prstGeom>
+            <a:ln>
+              <a:solidFill>
+                <a:schemeClr val="accent2">
+                  <a:lumMod val="75000"/>
+                </a:schemeClr>
+              </a:solidFill>
+            </a:ln>
           </p:spPr>
           <p:style>
             <a:lnRef idx="1">
@@ -4391,16 +4445,16 @@
         </p:cxnSp>
         <p:cxnSp>
           <p:nvCxnSpPr>
-            <p:cNvPr id="73" name="Straight Arrow Connector 72">
+            <p:cNvPr id="47" name="Straight Arrow Connector 46">
               <a:extLst>
                 <a:ext uri="{FF2B5EF4-FFF2-40B4-BE49-F238E27FC236}">
-                  <a16:creationId xmlns:a16="http://schemas.microsoft.com/office/drawing/2014/main" id="{AF9217C3-83F3-2D46-A298-8684075E2658}"/>
+                  <a16:creationId xmlns:a16="http://schemas.microsoft.com/office/drawing/2014/main" id="{055375EB-0E9D-4742-B70E-A2BC86CEEE27}"/>
                 </a:ext>
               </a:extLst>
             </p:cNvPr>
             <p:cNvCxnSpPr>
               <a:cxnSpLocks/>
-              <a:stCxn id="55" idx="0"/>
+              <a:stCxn id="34" idx="0"/>
             </p:cNvCxnSpPr>
             <p:nvPr/>
           </p:nvCxnSpPr>
@@ -4414,7 +4468,9 @@
             </a:prstGeom>
             <a:ln>
               <a:solidFill>
-                <a:srgbClr val="FFC000"/>
+                <a:schemeClr val="accent2">
+                  <a:lumMod val="75000"/>
+                </a:schemeClr>
               </a:solidFill>
               <a:prstDash val="solid"/>
               <a:headEnd type="triangle"/>
@@ -4438,16 +4494,15 @@
         </p:cxnSp>
         <p:cxnSp>
           <p:nvCxnSpPr>
-            <p:cNvPr id="74" name="Straight Arrow Connector 73">
+            <p:cNvPr id="48" name="Straight Arrow Connector 47">
               <a:extLst>
                 <a:ext uri="{FF2B5EF4-FFF2-40B4-BE49-F238E27FC236}">
-                  <a16:creationId xmlns:a16="http://schemas.microsoft.com/office/drawing/2014/main" id="{96C8A180-BB0C-B041-A322-E67922A1E445}"/>
+                  <a16:creationId xmlns:a16="http://schemas.microsoft.com/office/drawing/2014/main" id="{997DC2C5-BA28-3048-8947-85AA615A4B6A}"/>
                 </a:ext>
               </a:extLst>
             </p:cNvPr>
             <p:cNvCxnSpPr>
               <a:cxnSpLocks/>
-              <a:endCxn id="57" idx="1"/>
             </p:cNvCxnSpPr>
             <p:nvPr/>
           </p:nvCxnSpPr>
@@ -4460,6 +4515,11 @@
               <a:avLst/>
             </a:prstGeom>
             <a:ln>
+              <a:solidFill>
+                <a:schemeClr val="accent2">
+                  <a:lumMod val="75000"/>
+                </a:schemeClr>
+              </a:solidFill>
               <a:tailEnd type="triangle"/>
             </a:ln>
           </p:spPr>
@@ -4480,16 +4540,14 @@
         </p:cxnSp>
         <p:cxnSp>
           <p:nvCxnSpPr>
-            <p:cNvPr id="75" name="Straight Connector 74">
+            <p:cNvPr id="49" name="Straight Connector 48">
               <a:extLst>
                 <a:ext uri="{FF2B5EF4-FFF2-40B4-BE49-F238E27FC236}">
-                  <a16:creationId xmlns:a16="http://schemas.microsoft.com/office/drawing/2014/main" id="{47DCCEF6-F453-C04F-91EA-545A6E074E8C}"/>
+                  <a16:creationId xmlns:a16="http://schemas.microsoft.com/office/drawing/2014/main" id="{087CB01C-D0B4-E846-8912-1C8741320181}"/>
                 </a:ext>
               </a:extLst>
             </p:cNvPr>
-            <p:cNvCxnSpPr>
-              <a:stCxn id="58" idx="0"/>
-            </p:cNvCxnSpPr>
+            <p:cNvCxnSpPr/>
             <p:nvPr/>
           </p:nvCxnSpPr>
           <p:spPr>
@@ -4502,7 +4560,9 @@
             </a:prstGeom>
             <a:ln>
               <a:solidFill>
-                <a:schemeClr val="accent4"/>
+                <a:schemeClr val="accent2">
+                  <a:lumMod val="75000"/>
+                </a:schemeClr>
               </a:solidFill>
             </a:ln>
           </p:spPr>

--- a/docs/diagrams/LogicCommandGoalsPackage.pptx
+++ b/docs/diagrams/LogicCommandGoalsPackage.pptx
@@ -261,7 +261,7 @@
           <a:p>
             <a:fld id="{34FA3991-7FA4-5045-8970-DF40FDC9D0DD}" type="datetimeFigureOut">
               <a:rPr lang="en-US" smtClean="0"/>
-              <a:t>10/31/19</a:t>
+              <a:t>11/8/19</a:t>
             </a:fld>
             <a:endParaRPr lang="en-US"/>
           </a:p>
@@ -461,7 +461,7 @@
           <a:p>
             <a:fld id="{34FA3991-7FA4-5045-8970-DF40FDC9D0DD}" type="datetimeFigureOut">
               <a:rPr lang="en-US" smtClean="0"/>
-              <a:t>10/31/19</a:t>
+              <a:t>11/8/19</a:t>
             </a:fld>
             <a:endParaRPr lang="en-US"/>
           </a:p>
@@ -671,7 +671,7 @@
           <a:p>
             <a:fld id="{34FA3991-7FA4-5045-8970-DF40FDC9D0DD}" type="datetimeFigureOut">
               <a:rPr lang="en-US" smtClean="0"/>
-              <a:t>10/31/19</a:t>
+              <a:t>11/8/19</a:t>
             </a:fld>
             <a:endParaRPr lang="en-US"/>
           </a:p>
@@ -871,7 +871,7 @@
           <a:p>
             <a:fld id="{34FA3991-7FA4-5045-8970-DF40FDC9D0DD}" type="datetimeFigureOut">
               <a:rPr lang="en-US" smtClean="0"/>
-              <a:t>10/31/19</a:t>
+              <a:t>11/8/19</a:t>
             </a:fld>
             <a:endParaRPr lang="en-US"/>
           </a:p>
@@ -1147,7 +1147,7 @@
           <a:p>
             <a:fld id="{34FA3991-7FA4-5045-8970-DF40FDC9D0DD}" type="datetimeFigureOut">
               <a:rPr lang="en-US" smtClean="0"/>
-              <a:t>10/31/19</a:t>
+              <a:t>11/8/19</a:t>
             </a:fld>
             <a:endParaRPr lang="en-US"/>
           </a:p>
@@ -1415,7 +1415,7 @@
           <a:p>
             <a:fld id="{34FA3991-7FA4-5045-8970-DF40FDC9D0DD}" type="datetimeFigureOut">
               <a:rPr lang="en-US" smtClean="0"/>
-              <a:t>10/31/19</a:t>
+              <a:t>11/8/19</a:t>
             </a:fld>
             <a:endParaRPr lang="en-US"/>
           </a:p>
@@ -1830,7 +1830,7 @@
           <a:p>
             <a:fld id="{34FA3991-7FA4-5045-8970-DF40FDC9D0DD}" type="datetimeFigureOut">
               <a:rPr lang="en-US" smtClean="0"/>
-              <a:t>10/31/19</a:t>
+              <a:t>11/8/19</a:t>
             </a:fld>
             <a:endParaRPr lang="en-US"/>
           </a:p>
@@ -1972,7 +1972,7 @@
           <a:p>
             <a:fld id="{34FA3991-7FA4-5045-8970-DF40FDC9D0DD}" type="datetimeFigureOut">
               <a:rPr lang="en-US" smtClean="0"/>
-              <a:t>10/31/19</a:t>
+              <a:t>11/8/19</a:t>
             </a:fld>
             <a:endParaRPr lang="en-US"/>
           </a:p>
@@ -2085,7 +2085,7 @@
           <a:p>
             <a:fld id="{34FA3991-7FA4-5045-8970-DF40FDC9D0DD}" type="datetimeFigureOut">
               <a:rPr lang="en-US" smtClean="0"/>
-              <a:t>10/31/19</a:t>
+              <a:t>11/8/19</a:t>
             </a:fld>
             <a:endParaRPr lang="en-US"/>
           </a:p>
@@ -2398,7 +2398,7 @@
           <a:p>
             <a:fld id="{34FA3991-7FA4-5045-8970-DF40FDC9D0DD}" type="datetimeFigureOut">
               <a:rPr lang="en-US" smtClean="0"/>
-              <a:t>10/31/19</a:t>
+              <a:t>11/8/19</a:t>
             </a:fld>
             <a:endParaRPr lang="en-US"/>
           </a:p>
@@ -2687,7 +2687,7 @@
           <a:p>
             <a:fld id="{34FA3991-7FA4-5045-8970-DF40FDC9D0DD}" type="datetimeFigureOut">
               <a:rPr lang="en-US" smtClean="0"/>
-              <a:t>10/31/19</a:t>
+              <a:t>11/8/19</a:t>
             </a:fld>
             <a:endParaRPr lang="en-US"/>
           </a:p>
@@ -2930,7 +2930,7 @@
           <a:p>
             <a:fld id="{34FA3991-7FA4-5045-8970-DF40FDC9D0DD}" type="datetimeFigureOut">
               <a:rPr lang="en-US" smtClean="0"/>
-              <a:t>10/31/19</a:t>
+              <a:t>11/8/19</a:t>
             </a:fld>
             <a:endParaRPr lang="en-US"/>
           </a:p>
@@ -3349,10 +3349,10 @@
       </p:grpSpPr>
       <p:grpSp>
         <p:nvGrpSpPr>
-          <p:cNvPr id="26" name="Group 25">
-            <a:extLst>
-              <a:ext uri="{FF2B5EF4-FFF2-40B4-BE49-F238E27FC236}">
-                <a16:creationId xmlns:a16="http://schemas.microsoft.com/office/drawing/2014/main" id="{537880E4-A825-4A42-A6E5-F26EB9611419}"/>
+          <p:cNvPr id="5" name="Group 4">
+            <a:extLst>
+              <a:ext uri="{FF2B5EF4-FFF2-40B4-BE49-F238E27FC236}">
+                <a16:creationId xmlns:a16="http://schemas.microsoft.com/office/drawing/2014/main" id="{E8EE7348-A12E-2841-A6FD-B4FA0908846F}"/>
               </a:ext>
             </a:extLst>
           </p:cNvPr>
@@ -3362,11 +3362,74 @@
         <p:grpSpPr>
           <a:xfrm>
             <a:off x="383233" y="248117"/>
-            <a:ext cx="11425533" cy="6339230"/>
+            <a:ext cx="11443657" cy="6339230"/>
             <a:chOff x="383233" y="248117"/>
-            <a:chExt cx="11425533" cy="6339230"/>
+            <a:chExt cx="11443657" cy="6339230"/>
           </a:xfrm>
         </p:grpSpPr>
+        <p:sp>
+          <p:nvSpPr>
+            <p:cNvPr id="52" name="Rounded Rectangle 145">
+              <a:extLst>
+                <a:ext uri="{FF2B5EF4-FFF2-40B4-BE49-F238E27FC236}">
+                  <a16:creationId xmlns:a16="http://schemas.microsoft.com/office/drawing/2014/main" id="{10DE4ACC-A3CD-0A49-962A-EF3CCF906EA5}"/>
+                </a:ext>
+              </a:extLst>
+            </p:cNvPr>
+            <p:cNvSpPr/>
+            <p:nvPr/>
+          </p:nvSpPr>
+          <p:spPr>
+            <a:xfrm>
+              <a:off x="1263723" y="1994965"/>
+              <a:ext cx="10563167" cy="3857351"/>
+            </a:xfrm>
+            <a:prstGeom prst="roundRect">
+              <a:avLst>
+                <a:gd name="adj" fmla="val 4363"/>
+              </a:avLst>
+            </a:prstGeom>
+            <a:solidFill>
+              <a:schemeClr val="accent2">
+                <a:lumMod val="20000"/>
+                <a:lumOff val="80000"/>
+              </a:schemeClr>
+            </a:solidFill>
+            <a:ln>
+              <a:solidFill>
+                <a:schemeClr val="accent2">
+                  <a:lumMod val="20000"/>
+                  <a:lumOff val="80000"/>
+                </a:schemeClr>
+              </a:solidFill>
+              <a:prstDash val="solid"/>
+            </a:ln>
+          </p:spPr>
+          <p:style>
+            <a:lnRef idx="2">
+              <a:schemeClr val="accent1">
+                <a:shade val="50000"/>
+              </a:schemeClr>
+            </a:lnRef>
+            <a:fillRef idx="1">
+              <a:schemeClr val="accent1"/>
+            </a:fillRef>
+            <a:effectRef idx="0">
+              <a:schemeClr val="accent1"/>
+            </a:effectRef>
+            <a:fontRef idx="minor">
+              <a:schemeClr val="lt1"/>
+            </a:fontRef>
+          </p:style>
+          <p:txBody>
+            <a:bodyPr rtlCol="0" anchor="ctr"/>
+            <a:lstStyle/>
+            <a:p>
+              <a:pPr algn="ctr"/>
+              <a:endParaRPr lang="en-US"/>
+            </a:p>
+          </p:txBody>
+        </p:sp>
         <p:sp>
           <p:nvSpPr>
             <p:cNvPr id="27" name="Rounded Rectangle 145">
@@ -3381,8 +3444,8 @@
           </p:nvSpPr>
           <p:spPr>
             <a:xfrm>
-              <a:off x="1245599" y="283938"/>
-              <a:ext cx="10563167" cy="5590979"/>
+              <a:off x="1245599" y="283939"/>
+              <a:ext cx="10563167" cy="1560830"/>
             </a:xfrm>
             <a:prstGeom prst="roundRect">
               <a:avLst>
@@ -3444,7 +3507,7 @@
           </p:nvSpPr>
           <p:spPr>
             <a:xfrm>
-              <a:off x="5553965" y="1530305"/>
+              <a:off x="5553965" y="920705"/>
               <a:ext cx="1982688" cy="369332"/>
             </a:xfrm>
             <a:prstGeom prst="roundRect">
@@ -3453,11 +3516,17 @@
               </a:avLst>
             </a:prstGeom>
             <a:solidFill>
-              <a:srgbClr val="FFC000"/>
+              <a:schemeClr val="accent1">
+                <a:lumMod val="20000"/>
+                <a:lumOff val="80000"/>
+              </a:schemeClr>
             </a:solidFill>
             <a:ln>
               <a:solidFill>
-                <a:srgbClr val="FFC000"/>
+                <a:schemeClr val="accent1">
+                  <a:lumMod val="20000"/>
+                  <a:lumOff val="80000"/>
+                </a:schemeClr>
               </a:solidFill>
             </a:ln>
           </p:spPr>
@@ -3483,7 +3552,7 @@
             <a:p>
               <a:pPr algn="ctr"/>
               <a:r>
-                <a:rPr lang="en-US" sz="1300">
+                <a:rPr lang="en-US" sz="1300" dirty="0">
                   <a:solidFill>
                     <a:schemeClr val="tx1"/>
                   </a:solidFill>
@@ -3496,7 +3565,7 @@
             <a:p>
               <a:pPr algn="ctr"/>
               <a:r>
-                <a:rPr lang="en-US" sz="1300">
+                <a:rPr lang="en-US" sz="1300" dirty="0">
                   <a:solidFill>
                     <a:schemeClr val="tx1"/>
                   </a:solidFill>
@@ -3522,7 +3591,7 @@
           </p:nvSpPr>
           <p:spPr>
             <a:xfrm>
-              <a:off x="2043340" y="2660051"/>
+              <a:off x="1374668" y="3288424"/>
               <a:ext cx="1982688" cy="369332"/>
             </a:xfrm>
             <a:prstGeom prst="roundRect">
@@ -3587,7 +3656,7 @@
           </p:nvSpPr>
           <p:spPr>
             <a:xfrm>
-              <a:off x="4430940" y="2631613"/>
+              <a:off x="3762268" y="3259986"/>
               <a:ext cx="1982688" cy="369332"/>
             </a:xfrm>
             <a:prstGeom prst="roundRect">
@@ -3652,7 +3721,7 @@
           </p:nvSpPr>
           <p:spPr>
             <a:xfrm>
-              <a:off x="6777900" y="2628272"/>
+              <a:off x="7141211" y="3256452"/>
               <a:ext cx="1982688" cy="369332"/>
             </a:xfrm>
             <a:prstGeom prst="roundRect">
@@ -3691,7 +3760,7 @@
             <a:p>
               <a:pPr algn="ctr"/>
               <a:r>
-                <a:rPr lang="en-US" sz="1300">
+                <a:rPr lang="en-US" sz="1300" dirty="0" err="1">
                   <a:solidFill>
                     <a:schemeClr val="tx1"/>
                   </a:solidFill>
@@ -3700,6 +3769,13 @@
                 </a:rPr>
                 <a:t>EditGoalsCommand</a:t>
               </a:r>
+              <a:endParaRPr lang="en-US" sz="1300" dirty="0">
+                <a:solidFill>
+                  <a:schemeClr val="tx1"/>
+                </a:solidFill>
+                <a:latin typeface="Arial" panose="020B0604020202020204" pitchFamily="34" charset="0"/>
+                <a:cs typeface="Arial" panose="020B0604020202020204" pitchFamily="34" charset="0"/>
+              </a:endParaRPr>
             </a:p>
           </p:txBody>
         </p:sp>
@@ -3717,7 +3793,7 @@
           </p:nvSpPr>
           <p:spPr>
             <a:xfrm>
-              <a:off x="9246780" y="2628080"/>
+              <a:off x="9610091" y="3256260"/>
               <a:ext cx="1982688" cy="369332"/>
             </a:xfrm>
             <a:prstGeom prst="roundRect">
@@ -3756,7 +3832,7 @@
             <a:p>
               <a:pPr algn="ctr"/>
               <a:r>
-                <a:rPr lang="en-US" sz="1300">
+                <a:rPr lang="en-US" sz="1300" dirty="0" err="1">
                   <a:solidFill>
                     <a:schemeClr val="tx1"/>
                   </a:solidFill>
@@ -3765,6 +3841,13 @@
                 </a:rPr>
                 <a:t>ListGoalsCommand</a:t>
               </a:r>
+              <a:endParaRPr lang="en-US" sz="1300" dirty="0">
+                <a:solidFill>
+                  <a:schemeClr val="tx1"/>
+                </a:solidFill>
+                <a:latin typeface="Arial" panose="020B0604020202020204" pitchFamily="34" charset="0"/>
+                <a:cs typeface="Arial" panose="020B0604020202020204" pitchFamily="34" charset="0"/>
+              </a:endParaRPr>
             </a:p>
           </p:txBody>
         </p:sp>
@@ -3783,7 +3866,7 @@
           <p:spPr>
             <a:xfrm>
               <a:off x="1303421" y="248117"/>
-              <a:ext cx="3230180" cy="369332"/>
+              <a:ext cx="1760418" cy="369332"/>
             </a:xfrm>
             <a:prstGeom prst="rect">
               <a:avLst/>
@@ -3797,8 +3880,8 @@
             <a:lstStyle/>
             <a:p>
               <a:r>
-                <a:rPr lang="en-US" b="1"/>
-                <a:t>Logic, Command, Goals Package</a:t>
+                <a:rPr lang="en-US" b="1" dirty="0"/>
+                <a:t>Logic, Command</a:t>
               </a:r>
             </a:p>
           </p:txBody>
@@ -3949,7 +4032,7 @@
           </p:nvSpPr>
           <p:spPr>
             <a:xfrm>
-              <a:off x="6426156" y="1939195"/>
+              <a:off x="6415005" y="1307293"/>
               <a:ext cx="238306" cy="98868"/>
             </a:xfrm>
             <a:prstGeom prst="triangle">
@@ -4007,55 +4090,9 @@
             <p:nvPr/>
           </p:nvCxnSpPr>
           <p:spPr>
-            <a:xfrm flipV="1">
-              <a:off x="3034684" y="2247004"/>
-              <a:ext cx="7203440" cy="7466"/>
-            </a:xfrm>
-            <a:prstGeom prst="line">
-              <a:avLst/>
-            </a:prstGeom>
-            <a:ln>
-              <a:solidFill>
-                <a:schemeClr val="accent2">
-                  <a:lumMod val="75000"/>
-                </a:schemeClr>
-              </a:solidFill>
-            </a:ln>
-          </p:spPr>
-          <p:style>
-            <a:lnRef idx="1">
-              <a:schemeClr val="accent4"/>
-            </a:lnRef>
-            <a:fillRef idx="0">
-              <a:schemeClr val="accent4"/>
-            </a:fillRef>
-            <a:effectRef idx="0">
-              <a:schemeClr val="accent4"/>
-            </a:effectRef>
-            <a:fontRef idx="minor">
-              <a:schemeClr val="tx1"/>
-            </a:fontRef>
-          </p:style>
-        </p:cxnSp>
-        <p:cxnSp>
-          <p:nvCxnSpPr>
-            <p:cNvPr id="38" name="Straight Connector 37">
-              <a:extLst>
-                <a:ext uri="{FF2B5EF4-FFF2-40B4-BE49-F238E27FC236}">
-                  <a16:creationId xmlns:a16="http://schemas.microsoft.com/office/drawing/2014/main" id="{1CF98994-1FEF-9048-8044-2244C98D6BD7}"/>
-                </a:ext>
-              </a:extLst>
-            </p:cNvPr>
-            <p:cNvCxnSpPr>
-              <a:cxnSpLocks/>
-              <a:endCxn id="36" idx="3"/>
-            </p:cNvCxnSpPr>
-            <p:nvPr/>
-          </p:nvCxnSpPr>
-          <p:spPr>
-            <a:xfrm flipV="1">
-              <a:off x="6545309" y="2038063"/>
-              <a:ext cx="0" cy="208940"/>
+            <a:xfrm>
+              <a:off x="2366012" y="2882843"/>
+              <a:ext cx="8235423" cy="0"/>
             </a:xfrm>
             <a:prstGeom prst="line">
               <a:avLst/>
@@ -4099,7 +4136,7 @@
           </p:nvCxnSpPr>
           <p:spPr>
             <a:xfrm flipV="1">
-              <a:off x="5422284" y="2254470"/>
+              <a:off x="4753612" y="2882843"/>
               <a:ext cx="0" cy="377143"/>
             </a:xfrm>
             <a:prstGeom prst="line">
@@ -4139,13 +4176,14 @@
             </p:cNvPr>
             <p:cNvCxnSpPr>
               <a:cxnSpLocks/>
+              <a:stCxn id="31" idx="0"/>
             </p:cNvCxnSpPr>
             <p:nvPr/>
           </p:nvCxnSpPr>
           <p:spPr>
             <a:xfrm flipV="1">
-              <a:off x="7769244" y="2247003"/>
-              <a:ext cx="0" cy="381269"/>
+              <a:off x="8132555" y="2890265"/>
+              <a:ext cx="0" cy="366187"/>
             </a:xfrm>
             <a:prstGeom prst="line">
               <a:avLst/>
@@ -4184,13 +4222,14 @@
             </p:cNvPr>
             <p:cNvCxnSpPr>
               <a:cxnSpLocks/>
+              <a:stCxn id="32" idx="0"/>
             </p:cNvCxnSpPr>
             <p:nvPr/>
           </p:nvCxnSpPr>
           <p:spPr>
             <a:xfrm flipV="1">
-              <a:off x="10238124" y="2247003"/>
-              <a:ext cx="0" cy="381077"/>
+              <a:off x="10601435" y="2875376"/>
+              <a:ext cx="0" cy="380884"/>
             </a:xfrm>
             <a:prstGeom prst="line">
               <a:avLst/>
@@ -4234,8 +4273,8 @@
           </p:nvCxnSpPr>
           <p:spPr>
             <a:xfrm>
-              <a:off x="3034684" y="4610997"/>
-              <a:ext cx="7203440" cy="0"/>
+              <a:off x="2366012" y="5239370"/>
+              <a:ext cx="8235423" cy="0"/>
             </a:xfrm>
             <a:prstGeom prst="line">
               <a:avLst/>
@@ -4279,7 +4318,7 @@
           </p:nvCxnSpPr>
           <p:spPr>
             <a:xfrm>
-              <a:off x="3034684" y="3029383"/>
+              <a:off x="2366012" y="3657756"/>
               <a:ext cx="0" cy="1581614"/>
             </a:xfrm>
             <a:prstGeom prst="line">
@@ -4324,7 +4363,7 @@
           </p:nvCxnSpPr>
           <p:spPr>
             <a:xfrm flipV="1">
-              <a:off x="5422284" y="2997413"/>
+              <a:off x="4753612" y="3625786"/>
               <a:ext cx="0" cy="1613584"/>
             </a:xfrm>
             <a:prstGeom prst="line">
@@ -4364,13 +4403,14 @@
             </p:cNvPr>
             <p:cNvCxnSpPr>
               <a:cxnSpLocks/>
+              <a:endCxn id="31" idx="2"/>
             </p:cNvCxnSpPr>
             <p:nvPr/>
           </p:nvCxnSpPr>
           <p:spPr>
             <a:xfrm flipV="1">
-              <a:off x="7769244" y="2997412"/>
-              <a:ext cx="0" cy="1613584"/>
+              <a:off x="8132555" y="3625784"/>
+              <a:ext cx="0" cy="1610236"/>
             </a:xfrm>
             <a:prstGeom prst="line">
               <a:avLst/>
@@ -4409,13 +4449,14 @@
             </p:cNvPr>
             <p:cNvCxnSpPr>
               <a:cxnSpLocks/>
+              <a:endCxn id="32" idx="2"/>
             </p:cNvCxnSpPr>
             <p:nvPr/>
           </p:nvCxnSpPr>
           <p:spPr>
             <a:xfrm flipV="1">
-              <a:off x="10241252" y="2997412"/>
-              <a:ext cx="0" cy="1613584"/>
+              <a:off x="10601435" y="3625592"/>
+              <a:ext cx="0" cy="1610428"/>
             </a:xfrm>
             <a:prstGeom prst="line">
               <a:avLst/>
@@ -4455,13 +4496,14 @@
             <p:cNvCxnSpPr>
               <a:cxnSpLocks/>
               <a:stCxn id="34" idx="0"/>
+              <a:endCxn id="51" idx="2"/>
             </p:cNvCxnSpPr>
             <p:nvPr/>
           </p:nvCxnSpPr>
           <p:spPr>
-            <a:xfrm flipV="1">
-              <a:off x="6545309" y="4610996"/>
-              <a:ext cx="0" cy="1446689"/>
+            <a:xfrm flipH="1" flipV="1">
+              <a:off x="6534558" y="4290942"/>
+              <a:ext cx="10751" cy="1766743"/>
             </a:xfrm>
             <a:prstGeom prst="straightConnector1">
               <a:avLst/>
@@ -4508,7 +4550,7 @@
           </p:nvCxnSpPr>
           <p:spPr>
             <a:xfrm>
-              <a:off x="1093936" y="1714971"/>
+              <a:off x="1093936" y="1105371"/>
               <a:ext cx="4460029" cy="0"/>
             </a:xfrm>
             <a:prstGeom prst="straightConnector1">
@@ -4552,7 +4594,7 @@
           </p:nvCxnSpPr>
           <p:spPr>
             <a:xfrm flipV="1">
-              <a:off x="3034684" y="2261892"/>
+              <a:off x="2366012" y="2890265"/>
               <a:ext cx="0" cy="398159"/>
             </a:xfrm>
             <a:prstGeom prst="line">
@@ -4581,6 +4623,160 @@
             </a:fontRef>
           </p:style>
         </p:cxnSp>
+        <p:sp>
+          <p:nvSpPr>
+            <p:cNvPr id="51" name="Rounded Rectangle 14">
+              <a:extLst>
+                <a:ext uri="{FF2B5EF4-FFF2-40B4-BE49-F238E27FC236}">
+                  <a16:creationId xmlns:a16="http://schemas.microsoft.com/office/drawing/2014/main" id="{162D4746-B344-0E4E-A9FC-F8247A283D03}"/>
+                </a:ext>
+              </a:extLst>
+            </p:cNvPr>
+            <p:cNvSpPr/>
+            <p:nvPr/>
+          </p:nvSpPr>
+          <p:spPr>
+            <a:xfrm>
+              <a:off x="5408614" y="3921610"/>
+              <a:ext cx="2251887" cy="369332"/>
+            </a:xfrm>
+            <a:prstGeom prst="roundRect">
+              <a:avLst>
+                <a:gd name="adj" fmla="val 0"/>
+              </a:avLst>
+            </a:prstGeom>
+            <a:solidFill>
+              <a:srgbClr val="FFC000"/>
+            </a:solidFill>
+            <a:ln>
+              <a:solidFill>
+                <a:srgbClr val="FFC000"/>
+              </a:solidFill>
+            </a:ln>
+          </p:spPr>
+          <p:style>
+            <a:lnRef idx="2">
+              <a:schemeClr val="accent1">
+                <a:shade val="50000"/>
+              </a:schemeClr>
+            </a:lnRef>
+            <a:fillRef idx="1">
+              <a:schemeClr val="accent1"/>
+            </a:fillRef>
+            <a:effectRef idx="0">
+              <a:schemeClr val="accent1"/>
+            </a:effectRef>
+            <a:fontRef idx="minor">
+              <a:schemeClr val="lt1"/>
+            </a:fontRef>
+          </p:style>
+          <p:txBody>
+            <a:bodyPr rtlCol="0" anchor="ctr"/>
+            <a:lstStyle/>
+            <a:p>
+              <a:pPr algn="ctr"/>
+              <a:r>
+                <a:rPr lang="en-US" sz="1300" dirty="0" err="1">
+                  <a:solidFill>
+                    <a:schemeClr val="tx1"/>
+                  </a:solidFill>
+                  <a:latin typeface="Arial" panose="020B0604020202020204" pitchFamily="34" charset="0"/>
+                  <a:cs typeface="Arial" panose="020B0604020202020204" pitchFamily="34" charset="0"/>
+                </a:rPr>
+                <a:t>ListAchievementCommand</a:t>
+              </a:r>
+              <a:endParaRPr lang="en-US" sz="1300" dirty="0">
+                <a:solidFill>
+                  <a:schemeClr val="tx1"/>
+                </a:solidFill>
+                <a:latin typeface="Arial" panose="020B0604020202020204" pitchFamily="34" charset="0"/>
+                <a:cs typeface="Arial" panose="020B0604020202020204" pitchFamily="34" charset="0"/>
+              </a:endParaRPr>
+            </a:p>
+          </p:txBody>
+        </p:sp>
+        <p:cxnSp>
+          <p:nvCxnSpPr>
+            <p:cNvPr id="15" name="Straight Connector 14">
+              <a:extLst>
+                <a:ext uri="{FF2B5EF4-FFF2-40B4-BE49-F238E27FC236}">
+                  <a16:creationId xmlns:a16="http://schemas.microsoft.com/office/drawing/2014/main" id="{61A51A47-AFA9-4D48-874C-2E930CC4C6B8}"/>
+                </a:ext>
+              </a:extLst>
+            </p:cNvPr>
+            <p:cNvCxnSpPr>
+              <a:cxnSpLocks/>
+              <a:stCxn id="51" idx="0"/>
+              <a:endCxn id="36" idx="3"/>
+            </p:cNvCxnSpPr>
+            <p:nvPr/>
+          </p:nvCxnSpPr>
+          <p:spPr>
+            <a:xfrm flipH="1" flipV="1">
+              <a:off x="6534158" y="1406161"/>
+              <a:ext cx="400" cy="2515449"/>
+            </a:xfrm>
+            <a:prstGeom prst="line">
+              <a:avLst/>
+            </a:prstGeom>
+            <a:ln>
+              <a:solidFill>
+                <a:schemeClr val="accent2">
+                  <a:lumMod val="75000"/>
+                </a:schemeClr>
+              </a:solidFill>
+            </a:ln>
+          </p:spPr>
+          <p:style>
+            <a:lnRef idx="1">
+              <a:schemeClr val="accent1"/>
+            </a:lnRef>
+            <a:fillRef idx="0">
+              <a:schemeClr val="accent1"/>
+            </a:fillRef>
+            <a:effectRef idx="0">
+              <a:schemeClr val="accent1"/>
+            </a:effectRef>
+            <a:fontRef idx="minor">
+              <a:schemeClr val="tx1"/>
+            </a:fontRef>
+          </p:style>
+        </p:cxnSp>
+        <p:sp>
+          <p:nvSpPr>
+            <p:cNvPr id="2" name="Rectangle 1">
+              <a:extLst>
+                <a:ext uri="{FF2B5EF4-FFF2-40B4-BE49-F238E27FC236}">
+                  <a16:creationId xmlns:a16="http://schemas.microsoft.com/office/drawing/2014/main" id="{680F6601-AEF0-7A46-9587-91DE9A65DACF}"/>
+                </a:ext>
+              </a:extLst>
+            </p:cNvPr>
+            <p:cNvSpPr/>
+            <p:nvPr/>
+          </p:nvSpPr>
+          <p:spPr>
+            <a:xfrm>
+              <a:off x="1303421" y="2050138"/>
+              <a:ext cx="1542217" cy="369332"/>
+            </a:xfrm>
+            <a:prstGeom prst="rect">
+              <a:avLst/>
+            </a:prstGeom>
+          </p:spPr>
+          <p:txBody>
+            <a:bodyPr wrap="none">
+              <a:spAutoFit/>
+            </a:bodyPr>
+            <a:lstStyle/>
+            <a:p>
+              <a:r>
+                <a:rPr lang="en-US" b="1" dirty="0"/>
+                <a:t>Goals Package</a:t>
+              </a:r>
+              <a:endParaRPr lang="en-US" dirty="0"/>
+            </a:p>
+          </p:txBody>
+        </p:sp>
       </p:grpSp>
     </p:spTree>
     <p:extLst>

--- a/docs/diagrams/LogicCommandGoalsPackage.pptx
+++ b/docs/diagrams/LogicCommandGoalsPackage.pptx
@@ -261,7 +261,7 @@
           <a:p>
             <a:fld id="{34FA3991-7FA4-5045-8970-DF40FDC9D0DD}" type="datetimeFigureOut">
               <a:rPr lang="en-US" smtClean="0"/>
-              <a:t>11/8/19</a:t>
+              <a:t>11/9/19</a:t>
             </a:fld>
             <a:endParaRPr lang="en-US"/>
           </a:p>
@@ -461,7 +461,7 @@
           <a:p>
             <a:fld id="{34FA3991-7FA4-5045-8970-DF40FDC9D0DD}" type="datetimeFigureOut">
               <a:rPr lang="en-US" smtClean="0"/>
-              <a:t>11/8/19</a:t>
+              <a:t>11/9/19</a:t>
             </a:fld>
             <a:endParaRPr lang="en-US"/>
           </a:p>
@@ -671,7 +671,7 @@
           <a:p>
             <a:fld id="{34FA3991-7FA4-5045-8970-DF40FDC9D0DD}" type="datetimeFigureOut">
               <a:rPr lang="en-US" smtClean="0"/>
-              <a:t>11/8/19</a:t>
+              <a:t>11/9/19</a:t>
             </a:fld>
             <a:endParaRPr lang="en-US"/>
           </a:p>
@@ -871,7 +871,7 @@
           <a:p>
             <a:fld id="{34FA3991-7FA4-5045-8970-DF40FDC9D0DD}" type="datetimeFigureOut">
               <a:rPr lang="en-US" smtClean="0"/>
-              <a:t>11/8/19</a:t>
+              <a:t>11/9/19</a:t>
             </a:fld>
             <a:endParaRPr lang="en-US"/>
           </a:p>
@@ -1147,7 +1147,7 @@
           <a:p>
             <a:fld id="{34FA3991-7FA4-5045-8970-DF40FDC9D0DD}" type="datetimeFigureOut">
               <a:rPr lang="en-US" smtClean="0"/>
-              <a:t>11/8/19</a:t>
+              <a:t>11/9/19</a:t>
             </a:fld>
             <a:endParaRPr lang="en-US"/>
           </a:p>
@@ -1415,7 +1415,7 @@
           <a:p>
             <a:fld id="{34FA3991-7FA4-5045-8970-DF40FDC9D0DD}" type="datetimeFigureOut">
               <a:rPr lang="en-US" smtClean="0"/>
-              <a:t>11/8/19</a:t>
+              <a:t>11/9/19</a:t>
             </a:fld>
             <a:endParaRPr lang="en-US"/>
           </a:p>
@@ -1830,7 +1830,7 @@
           <a:p>
             <a:fld id="{34FA3991-7FA4-5045-8970-DF40FDC9D0DD}" type="datetimeFigureOut">
               <a:rPr lang="en-US" smtClean="0"/>
-              <a:t>11/8/19</a:t>
+              <a:t>11/9/19</a:t>
             </a:fld>
             <a:endParaRPr lang="en-US"/>
           </a:p>
@@ -1972,7 +1972,7 @@
           <a:p>
             <a:fld id="{34FA3991-7FA4-5045-8970-DF40FDC9D0DD}" type="datetimeFigureOut">
               <a:rPr lang="en-US" smtClean="0"/>
-              <a:t>11/8/19</a:t>
+              <a:t>11/9/19</a:t>
             </a:fld>
             <a:endParaRPr lang="en-US"/>
           </a:p>
@@ -2085,7 +2085,7 @@
           <a:p>
             <a:fld id="{34FA3991-7FA4-5045-8970-DF40FDC9D0DD}" type="datetimeFigureOut">
               <a:rPr lang="en-US" smtClean="0"/>
-              <a:t>11/8/19</a:t>
+              <a:t>11/9/19</a:t>
             </a:fld>
             <a:endParaRPr lang="en-US"/>
           </a:p>
@@ -2398,7 +2398,7 @@
           <a:p>
             <a:fld id="{34FA3991-7FA4-5045-8970-DF40FDC9D0DD}" type="datetimeFigureOut">
               <a:rPr lang="en-US" smtClean="0"/>
-              <a:t>11/8/19</a:t>
+              <a:t>11/9/19</a:t>
             </a:fld>
             <a:endParaRPr lang="en-US"/>
           </a:p>
@@ -2687,7 +2687,7 @@
           <a:p>
             <a:fld id="{34FA3991-7FA4-5045-8970-DF40FDC9D0DD}" type="datetimeFigureOut">
               <a:rPr lang="en-US" smtClean="0"/>
-              <a:t>11/8/19</a:t>
+              <a:t>11/9/19</a:t>
             </a:fld>
             <a:endParaRPr lang="en-US"/>
           </a:p>
@@ -2930,7 +2930,7 @@
           <a:p>
             <a:fld id="{34FA3991-7FA4-5045-8970-DF40FDC9D0DD}" type="datetimeFigureOut">
               <a:rPr lang="en-US" smtClean="0"/>
-              <a:t>11/8/19</a:t>
+              <a:t>11/9/19</a:t>
             </a:fld>
             <a:endParaRPr lang="en-US"/>
           </a:p>
@@ -4757,7 +4757,7 @@
           <p:spPr>
             <a:xfrm>
               <a:off x="1303421" y="2050138"/>
-              <a:ext cx="1542217" cy="369332"/>
+              <a:ext cx="3230180" cy="369332"/>
             </a:xfrm>
             <a:prstGeom prst="rect">
               <a:avLst/>
@@ -4771,7 +4771,7 @@
             <a:p>
               <a:r>
                 <a:rPr lang="en-US" b="1" dirty="0"/>
-                <a:t>Goals Package</a:t>
+                <a:t>Logic, Command, Goals Package</a:t>
               </a:r>
               <a:endParaRPr lang="en-US" dirty="0"/>
             </a:p>
